--- a/Wireframes.pptx
+++ b/Wireframes.pptx
@@ -106,6 +106,11 @@
       </a:defRPr>
     </a:lvl9pPr>
   </p:defaultTextStyle>
+  <p:extLst>
+    <p:ext uri="{EFAFB233-063F-42B5-8137-9DF3F51BA10A}">
+      <p15:sldGuideLst xmlns:p15="http://schemas.microsoft.com/office/powerpoint/2012/main"/>
+    </p:ext>
+  </p:extLst>
 </p:presentation>
 </file>
 
@@ -5025,13 +5030,13 @@
         </p:nvSpPr>
         <p:spPr>
           <a:xfrm>
-            <a:off x="8743088" y="5473700"/>
+            <a:off x="8753248" y="5300980"/>
             <a:ext cx="1536700" cy="342900"/>
           </a:xfrm>
           <a:prstGeom prst="wedgeRoundRectCallout">
             <a:avLst>
-              <a:gd name="adj1" fmla="val -134029"/>
-              <a:gd name="adj2" fmla="val -256079"/>
+              <a:gd name="adj1" fmla="val -141302"/>
+              <a:gd name="adj2" fmla="val -214598"/>
               <a:gd name="adj3" fmla="val 16667"/>
             </a:avLst>
           </a:prstGeom>
@@ -5385,8 +5390,8 @@
         </p:nvSpPr>
         <p:spPr>
           <a:xfrm>
-            <a:off x="8743088" y="5816600"/>
-            <a:ext cx="1536700" cy="673100"/>
+            <a:off x="8753248" y="5643880"/>
+            <a:ext cx="1536700" cy="1153160"/>
           </a:xfrm>
           <a:prstGeom prst="rect">
             <a:avLst/>
@@ -5446,16 +5451,134 @@
               </a:rPr>
               <a:t>/instance</a:t>
             </a:r>
-            <a:endParaRPr lang="en-US" sz="800" dirty="0"/>
-          </a:p>
-        </p:txBody>
-      </p:sp>
-      <p:sp>
-        <p:nvSpPr>
-          <p:cNvPr id="58" name="Rounded Rectangular Callout 57">
-            <a:extLst>
-              <a:ext uri="{FF2B5EF4-FFF2-40B4-BE49-F238E27FC236}">
-                <a16:creationId xmlns:a16="http://schemas.microsoft.com/office/drawing/2014/main" id="{02CA462A-7F55-B84B-8C5B-C4CE00419A98}"/>
+            <a:endParaRPr lang="en-US" sz="800" b="1" dirty="0"/>
+          </a:p>
+          <a:p>
+            <a:r>
+              <a:rPr lang="en-US" sz="800" b="1" dirty="0">
+                <a:solidFill>
+                  <a:schemeClr val="tx1"/>
+                </a:solidFill>
+              </a:rPr>
+              <a:t>Form Body:</a:t>
+            </a:r>
+          </a:p>
+          <a:p>
+            <a:r>
+              <a:rPr lang="en-US" sz="800" dirty="0">
+                <a:solidFill>
+                  <a:schemeClr val="tx1"/>
+                </a:solidFill>
+              </a:rPr>
+              <a:t>{</a:t>
+            </a:r>
+          </a:p>
+          <a:p>
+            <a:r>
+              <a:rPr lang="en-US" sz="800" dirty="0">
+                <a:solidFill>
+                  <a:schemeClr val="tx1"/>
+                </a:solidFill>
+              </a:rPr>
+              <a:t>  "id": 1,</a:t>
+            </a:r>
+          </a:p>
+          <a:p>
+            <a:r>
+              <a:rPr lang="en-US" sz="800" dirty="0">
+                <a:solidFill>
+                  <a:schemeClr val="tx1"/>
+                </a:solidFill>
+              </a:rPr>
+              <a:t>  "</a:t>
+            </a:r>
+            <a:r>
+              <a:rPr lang="en-US" sz="800" dirty="0" err="1">
+                <a:solidFill>
+                  <a:schemeClr val="tx1"/>
+                </a:solidFill>
+              </a:rPr>
+              <a:t>instanceName</a:t>
+            </a:r>
+            <a:r>
+              <a:rPr lang="en-US" sz="800" dirty="0">
+                <a:solidFill>
+                  <a:schemeClr val="tx1"/>
+                </a:solidFill>
+              </a:rPr>
+              <a:t>": "test1",</a:t>
+            </a:r>
+          </a:p>
+          <a:p>
+            <a:r>
+              <a:rPr lang="en-US" sz="800" dirty="0">
+                <a:solidFill>
+                  <a:schemeClr val="tx1"/>
+                </a:solidFill>
+              </a:rPr>
+              <a:t>  "</a:t>
+            </a:r>
+            <a:r>
+              <a:rPr lang="en-US" sz="800" dirty="0" err="1">
+                <a:solidFill>
+                  <a:schemeClr val="tx1"/>
+                </a:solidFill>
+              </a:rPr>
+              <a:t>targetURL</a:t>
+            </a:r>
+            <a:r>
+              <a:rPr lang="en-US" sz="800" dirty="0">
+                <a:solidFill>
+                  <a:schemeClr val="tx1"/>
+                </a:solidFill>
+              </a:rPr>
+              <a:t>": "test2",</a:t>
+            </a:r>
+          </a:p>
+          <a:p>
+            <a:r>
+              <a:rPr lang="en-US" sz="800" dirty="0">
+                <a:solidFill>
+                  <a:schemeClr val="tx1"/>
+                </a:solidFill>
+              </a:rPr>
+              <a:t>  "</a:t>
+            </a:r>
+            <a:r>
+              <a:rPr lang="en-US" sz="800" dirty="0" err="1">
+                <a:solidFill>
+                  <a:schemeClr val="tx1"/>
+                </a:solidFill>
+              </a:rPr>
+              <a:t>wiremockURL</a:t>
+            </a:r>
+            <a:r>
+              <a:rPr lang="en-US" sz="800" dirty="0">
+                <a:solidFill>
+                  <a:schemeClr val="tx1"/>
+                </a:solidFill>
+              </a:rPr>
+              <a:t>": "test3"</a:t>
+            </a:r>
+          </a:p>
+          <a:p>
+            <a:r>
+              <a:rPr lang="en-US" sz="800" dirty="0">
+                <a:solidFill>
+                  <a:schemeClr val="tx1"/>
+                </a:solidFill>
+              </a:rPr>
+              <a:t>}</a:t>
+            </a:r>
+          </a:p>
+        </p:txBody>
+      </p:sp>
+      <p:sp>
+        <p:nvSpPr>
+          <p:cNvPr id="59" name="Rectangle 58">
+            <a:extLst>
+              <a:ext uri="{FF2B5EF4-FFF2-40B4-BE49-F238E27FC236}">
+                <a16:creationId xmlns:a16="http://schemas.microsoft.com/office/drawing/2014/main" id="{04391FB1-6438-4940-AAFC-B805D269EEB2}"/>
               </a:ext>
             </a:extLst>
           </p:cNvPr>
@@ -5464,23 +5587,18 @@
         </p:nvSpPr>
         <p:spPr>
           <a:xfrm>
-            <a:off x="355600" y="4172506"/>
-            <a:ext cx="1536700" cy="342900"/>
-          </a:xfrm>
-          <a:prstGeom prst="wedgeRoundRectCallout">
-            <a:avLst>
-              <a:gd name="adj1" fmla="val 70103"/>
-              <a:gd name="adj2" fmla="val -504227"/>
-              <a:gd name="adj3" fmla="val 16667"/>
-            </a:avLst>
-          </a:prstGeom>
-          <a:solidFill>
-            <a:schemeClr val="bg1"/>
-          </a:solidFill>
+            <a:off x="355600" y="4515406"/>
+            <a:ext cx="1536700" cy="362593"/>
+          </a:xfrm>
+          <a:prstGeom prst="rect">
+            <a:avLst/>
+          </a:prstGeom>
+          <a:noFill/>
           <a:ln>
             <a:solidFill>
               <a:schemeClr val="tx1"/>
             </a:solidFill>
+            <a:prstDash val="dash"/>
           </a:ln>
         </p:spPr>
         <p:style>
@@ -5503,44 +5621,228 @@
           <a:bodyPr rtlCol="0" anchor="ctr"/>
           <a:lstStyle/>
           <a:p>
-            <a:pPr algn="ctr"/>
-            <a:r>
-              <a:rPr lang="en-US" sz="1200" dirty="0">
-                <a:solidFill>
-                  <a:schemeClr val="tx1"/>
-                </a:solidFill>
+            <a:r>
+              <a:rPr lang="en-US" sz="800" b="1" dirty="0">
+                <a:hlinkClick r:id="rId10"/>
               </a:rPr>
-              <a:t>List of Instances</a:t>
-            </a:r>
-          </a:p>
-        </p:txBody>
-      </p:sp>
-      <p:sp>
-        <p:nvSpPr>
-          <p:cNvPr id="59" name="Rectangle 58">
-            <a:extLst>
-              <a:ext uri="{FF2B5EF4-FFF2-40B4-BE49-F238E27FC236}">
-                <a16:creationId xmlns:a16="http://schemas.microsoft.com/office/drawing/2014/main" id="{04391FB1-6438-4940-AAFC-B805D269EEB2}"/>
-              </a:ext>
-            </a:extLst>
-          </p:cNvPr>
-          <p:cNvSpPr/>
-          <p:nvPr/>
-        </p:nvSpPr>
-        <p:spPr>
-          <a:xfrm>
-            <a:off x="355600" y="4515406"/>
-            <a:ext cx="1536700" cy="362593"/>
+              <a:t>GET: </a:t>
+            </a:r>
+            <a:r>
+              <a:rPr lang="en-US" sz="800" b="1" dirty="0">
+                <a:hlinkClick r:id="rId12"/>
+              </a:rPr>
+              <a:t>/instance</a:t>
+            </a:r>
+            <a:endParaRPr lang="en-US" sz="800" dirty="0"/>
+          </a:p>
+        </p:txBody>
+      </p:sp>
+      <p:sp>
+        <p:nvSpPr>
+          <p:cNvPr id="60" name="TextBox 59">
+            <a:extLst>
+              <a:ext uri="{FF2B5EF4-FFF2-40B4-BE49-F238E27FC236}">
+                <a16:creationId xmlns:a16="http://schemas.microsoft.com/office/drawing/2014/main" id="{4645B0DA-D030-D547-8B23-26C9BC232048}"/>
+              </a:ext>
+            </a:extLst>
+          </p:cNvPr>
+          <p:cNvSpPr txBox="1"/>
+          <p:nvPr/>
+        </p:nvSpPr>
+        <p:spPr>
+          <a:xfrm>
+            <a:off x="7747512" y="2683425"/>
+            <a:ext cx="774700" cy="261610"/>
           </a:xfrm>
           <a:prstGeom prst="rect">
             <a:avLst/>
           </a:prstGeom>
           <a:noFill/>
+        </p:spPr>
+        <p:txBody>
+          <a:bodyPr wrap="square" rtlCol="0">
+            <a:spAutoFit/>
+          </a:bodyPr>
+          <a:lstStyle/>
+          <a:p>
+            <a:r>
+              <a:rPr lang="en-US" sz="1050" dirty="0"/>
+              <a:t>Recording</a:t>
+            </a:r>
+          </a:p>
+        </p:txBody>
+      </p:sp>
+      <p:sp>
+        <p:nvSpPr>
+          <p:cNvPr id="61" name="TextBox 60">
+            <a:extLst>
+              <a:ext uri="{FF2B5EF4-FFF2-40B4-BE49-F238E27FC236}">
+                <a16:creationId xmlns:a16="http://schemas.microsoft.com/office/drawing/2014/main" id="{841B7AEB-1818-7344-941A-9EB9704357EE}"/>
+              </a:ext>
+            </a:extLst>
+          </p:cNvPr>
+          <p:cNvSpPr txBox="1"/>
+          <p:nvPr/>
+        </p:nvSpPr>
+        <p:spPr>
+          <a:xfrm>
+            <a:off x="7741162" y="3125414"/>
+            <a:ext cx="774700" cy="261610"/>
+          </a:xfrm>
+          <a:prstGeom prst="rect">
+            <a:avLst/>
+          </a:prstGeom>
+          <a:noFill/>
+        </p:spPr>
+        <p:txBody>
+          <a:bodyPr wrap="square" rtlCol="0">
+            <a:spAutoFit/>
+          </a:bodyPr>
+          <a:lstStyle/>
+          <a:p>
+            <a:r>
+              <a:rPr lang="en-US" sz="1050" dirty="0"/>
+              <a:t>Stopped</a:t>
+            </a:r>
+          </a:p>
+        </p:txBody>
+      </p:sp>
+      <p:sp>
+        <p:nvSpPr>
+          <p:cNvPr id="62" name="TextBox 61">
+            <a:extLst>
+              <a:ext uri="{FF2B5EF4-FFF2-40B4-BE49-F238E27FC236}">
+                <a16:creationId xmlns:a16="http://schemas.microsoft.com/office/drawing/2014/main" id="{3F0FCFE8-93DD-B541-97A0-6A0E90260C0F}"/>
+              </a:ext>
+            </a:extLst>
+          </p:cNvPr>
+          <p:cNvSpPr txBox="1"/>
+          <p:nvPr/>
+        </p:nvSpPr>
+        <p:spPr>
+          <a:xfrm>
+            <a:off x="7741162" y="3607839"/>
+            <a:ext cx="983390" cy="253916"/>
+          </a:xfrm>
+          <a:prstGeom prst="rect">
+            <a:avLst/>
+          </a:prstGeom>
+          <a:noFill/>
+        </p:spPr>
+        <p:txBody>
+          <a:bodyPr wrap="square" rtlCol="0">
+            <a:spAutoFit/>
+          </a:bodyPr>
+          <a:lstStyle/>
+          <a:p>
+            <a:r>
+              <a:rPr lang="en-US" sz="1050" dirty="0"/>
+              <a:t>Never Started</a:t>
+            </a:r>
+          </a:p>
+        </p:txBody>
+      </p:sp>
+      <p:sp>
+        <p:nvSpPr>
+          <p:cNvPr id="63" name="TextBox 62">
+            <a:extLst>
+              <a:ext uri="{FF2B5EF4-FFF2-40B4-BE49-F238E27FC236}">
+                <a16:creationId xmlns:a16="http://schemas.microsoft.com/office/drawing/2014/main" id="{3F6A471C-1E6B-1D43-999B-754EE8473BC5}"/>
+              </a:ext>
+            </a:extLst>
+          </p:cNvPr>
+          <p:cNvSpPr txBox="1"/>
+          <p:nvPr/>
+        </p:nvSpPr>
+        <p:spPr>
+          <a:xfrm>
+            <a:off x="7752313" y="4052323"/>
+            <a:ext cx="774700" cy="261610"/>
+          </a:xfrm>
+          <a:prstGeom prst="rect">
+            <a:avLst/>
+          </a:prstGeom>
+          <a:noFill/>
+        </p:spPr>
+        <p:txBody>
+          <a:bodyPr wrap="square" rtlCol="0">
+            <a:spAutoFit/>
+          </a:bodyPr>
+          <a:lstStyle/>
+          <a:p>
+            <a:r>
+              <a:rPr lang="en-US" sz="1050" dirty="0"/>
+              <a:t>Stopped</a:t>
+            </a:r>
+          </a:p>
+        </p:txBody>
+      </p:sp>
+      <p:sp>
+        <p:nvSpPr>
+          <p:cNvPr id="64" name="TextBox 63">
+            <a:extLst>
+              <a:ext uri="{FF2B5EF4-FFF2-40B4-BE49-F238E27FC236}">
+                <a16:creationId xmlns:a16="http://schemas.microsoft.com/office/drawing/2014/main" id="{029BE2DB-36F8-914C-B02B-DC18D7B26F48}"/>
+              </a:ext>
+            </a:extLst>
+          </p:cNvPr>
+          <p:cNvSpPr txBox="1"/>
+          <p:nvPr/>
+        </p:nvSpPr>
+        <p:spPr>
+          <a:xfrm>
+            <a:off x="7749932" y="4513150"/>
+            <a:ext cx="774700" cy="261610"/>
+          </a:xfrm>
+          <a:prstGeom prst="rect">
+            <a:avLst/>
+          </a:prstGeom>
+          <a:noFill/>
+        </p:spPr>
+        <p:txBody>
+          <a:bodyPr wrap="square" rtlCol="0">
+            <a:spAutoFit/>
+          </a:bodyPr>
+          <a:lstStyle/>
+          <a:p>
+            <a:r>
+              <a:rPr lang="en-US" sz="1050" dirty="0"/>
+              <a:t>Stopped</a:t>
+            </a:r>
+          </a:p>
+        </p:txBody>
+      </p:sp>
+      <p:sp>
+        <p:nvSpPr>
+          <p:cNvPr id="65" name="Rounded Rectangular Callout 64">
+            <a:extLst>
+              <a:ext uri="{FF2B5EF4-FFF2-40B4-BE49-F238E27FC236}">
+                <a16:creationId xmlns:a16="http://schemas.microsoft.com/office/drawing/2014/main" id="{5B9EDC44-4D5A-7042-BC70-866D4FAB7333}"/>
+              </a:ext>
+            </a:extLst>
+          </p:cNvPr>
+          <p:cNvSpPr/>
+          <p:nvPr/>
+        </p:nvSpPr>
+        <p:spPr>
+          <a:xfrm>
+            <a:off x="10497470" y="5473700"/>
+            <a:ext cx="1536700" cy="342900"/>
+          </a:xfrm>
+          <a:prstGeom prst="wedgeRoundRectCallout">
+            <a:avLst>
+              <a:gd name="adj1" fmla="val -193533"/>
+              <a:gd name="adj2" fmla="val -270493"/>
+              <a:gd name="adj3" fmla="val 16667"/>
+            </a:avLst>
+          </a:prstGeom>
+          <a:solidFill>
+            <a:schemeClr val="bg1"/>
+          </a:solidFill>
           <a:ln>
             <a:solidFill>
               <a:schemeClr val="tx1"/>
             </a:solidFill>
-            <a:prstDash val="dash"/>
           </a:ln>
         </p:spPr>
         <p:style>
@@ -5563,228 +5865,44 @@
           <a:bodyPr rtlCol="0" anchor="ctr"/>
           <a:lstStyle/>
           <a:p>
-            <a:r>
-              <a:rPr lang="en-US" sz="800" b="1" dirty="0">
-                <a:hlinkClick r:id="rId10"/>
+            <a:pPr algn="ctr"/>
+            <a:r>
+              <a:rPr lang="en-US" sz="1200" dirty="0">
+                <a:solidFill>
+                  <a:schemeClr val="tx1"/>
+                </a:solidFill>
               </a:rPr>
-              <a:t>GET: </a:t>
-            </a:r>
-            <a:r>
-              <a:rPr lang="en-US" sz="800" b="1" dirty="0">
-                <a:hlinkClick r:id="rId12"/>
-              </a:rPr>
-              <a:t>/instance</a:t>
-            </a:r>
-            <a:endParaRPr lang="en-US" sz="800" dirty="0"/>
-          </a:p>
-        </p:txBody>
-      </p:sp>
-      <p:sp>
-        <p:nvSpPr>
-          <p:cNvPr id="60" name="TextBox 59">
-            <a:extLst>
-              <a:ext uri="{FF2B5EF4-FFF2-40B4-BE49-F238E27FC236}">
-                <a16:creationId xmlns:a16="http://schemas.microsoft.com/office/drawing/2014/main" id="{4645B0DA-D030-D547-8B23-26C9BC232048}"/>
-              </a:ext>
-            </a:extLst>
-          </p:cNvPr>
-          <p:cNvSpPr txBox="1"/>
-          <p:nvPr/>
-        </p:nvSpPr>
-        <p:spPr>
-          <a:xfrm>
-            <a:off x="7747512" y="2683425"/>
-            <a:ext cx="774700" cy="261610"/>
+              <a:t>Instance Status</a:t>
+            </a:r>
+          </a:p>
+        </p:txBody>
+      </p:sp>
+      <p:sp>
+        <p:nvSpPr>
+          <p:cNvPr id="66" name="Rectangle 65">
+            <a:extLst>
+              <a:ext uri="{FF2B5EF4-FFF2-40B4-BE49-F238E27FC236}">
+                <a16:creationId xmlns:a16="http://schemas.microsoft.com/office/drawing/2014/main" id="{7032AA81-3693-5046-8CB3-CBF985549C37}"/>
+              </a:ext>
+            </a:extLst>
+          </p:cNvPr>
+          <p:cNvSpPr/>
+          <p:nvPr/>
+        </p:nvSpPr>
+        <p:spPr>
+          <a:xfrm>
+            <a:off x="10497470" y="5816600"/>
+            <a:ext cx="1536700" cy="673100"/>
           </a:xfrm>
           <a:prstGeom prst="rect">
             <a:avLst/>
           </a:prstGeom>
           <a:noFill/>
-        </p:spPr>
-        <p:txBody>
-          <a:bodyPr wrap="square" rtlCol="0">
-            <a:spAutoFit/>
-          </a:bodyPr>
-          <a:lstStyle/>
-          <a:p>
-            <a:r>
-              <a:rPr lang="en-US" sz="1050" dirty="0"/>
-              <a:t>Recording</a:t>
-            </a:r>
-          </a:p>
-        </p:txBody>
-      </p:sp>
-      <p:sp>
-        <p:nvSpPr>
-          <p:cNvPr id="61" name="TextBox 60">
-            <a:extLst>
-              <a:ext uri="{FF2B5EF4-FFF2-40B4-BE49-F238E27FC236}">
-                <a16:creationId xmlns:a16="http://schemas.microsoft.com/office/drawing/2014/main" id="{841B7AEB-1818-7344-941A-9EB9704357EE}"/>
-              </a:ext>
-            </a:extLst>
-          </p:cNvPr>
-          <p:cNvSpPr txBox="1"/>
-          <p:nvPr/>
-        </p:nvSpPr>
-        <p:spPr>
-          <a:xfrm>
-            <a:off x="7741162" y="3125414"/>
-            <a:ext cx="774700" cy="261610"/>
-          </a:xfrm>
-          <a:prstGeom prst="rect">
-            <a:avLst/>
-          </a:prstGeom>
-          <a:noFill/>
-        </p:spPr>
-        <p:txBody>
-          <a:bodyPr wrap="square" rtlCol="0">
-            <a:spAutoFit/>
-          </a:bodyPr>
-          <a:lstStyle/>
-          <a:p>
-            <a:r>
-              <a:rPr lang="en-US" sz="1050" dirty="0"/>
-              <a:t>Stopped</a:t>
-            </a:r>
-          </a:p>
-        </p:txBody>
-      </p:sp>
-      <p:sp>
-        <p:nvSpPr>
-          <p:cNvPr id="62" name="TextBox 61">
-            <a:extLst>
-              <a:ext uri="{FF2B5EF4-FFF2-40B4-BE49-F238E27FC236}">
-                <a16:creationId xmlns:a16="http://schemas.microsoft.com/office/drawing/2014/main" id="{3F0FCFE8-93DD-B541-97A0-6A0E90260C0F}"/>
-              </a:ext>
-            </a:extLst>
-          </p:cNvPr>
-          <p:cNvSpPr txBox="1"/>
-          <p:nvPr/>
-        </p:nvSpPr>
-        <p:spPr>
-          <a:xfrm>
-            <a:off x="7741162" y="3607839"/>
-            <a:ext cx="983390" cy="253916"/>
-          </a:xfrm>
-          <a:prstGeom prst="rect">
-            <a:avLst/>
-          </a:prstGeom>
-          <a:noFill/>
-        </p:spPr>
-        <p:txBody>
-          <a:bodyPr wrap="square" rtlCol="0">
-            <a:spAutoFit/>
-          </a:bodyPr>
-          <a:lstStyle/>
-          <a:p>
-            <a:r>
-              <a:rPr lang="en-US" sz="1050" dirty="0"/>
-              <a:t>Never Started</a:t>
-            </a:r>
-          </a:p>
-        </p:txBody>
-      </p:sp>
-      <p:sp>
-        <p:nvSpPr>
-          <p:cNvPr id="63" name="TextBox 62">
-            <a:extLst>
-              <a:ext uri="{FF2B5EF4-FFF2-40B4-BE49-F238E27FC236}">
-                <a16:creationId xmlns:a16="http://schemas.microsoft.com/office/drawing/2014/main" id="{3F6A471C-1E6B-1D43-999B-754EE8473BC5}"/>
-              </a:ext>
-            </a:extLst>
-          </p:cNvPr>
-          <p:cNvSpPr txBox="1"/>
-          <p:nvPr/>
-        </p:nvSpPr>
-        <p:spPr>
-          <a:xfrm>
-            <a:off x="7752313" y="4052323"/>
-            <a:ext cx="774700" cy="261610"/>
-          </a:xfrm>
-          <a:prstGeom prst="rect">
-            <a:avLst/>
-          </a:prstGeom>
-          <a:noFill/>
-        </p:spPr>
-        <p:txBody>
-          <a:bodyPr wrap="square" rtlCol="0">
-            <a:spAutoFit/>
-          </a:bodyPr>
-          <a:lstStyle/>
-          <a:p>
-            <a:r>
-              <a:rPr lang="en-US" sz="1050" dirty="0"/>
-              <a:t>Stopped</a:t>
-            </a:r>
-          </a:p>
-        </p:txBody>
-      </p:sp>
-      <p:sp>
-        <p:nvSpPr>
-          <p:cNvPr id="64" name="TextBox 63">
-            <a:extLst>
-              <a:ext uri="{FF2B5EF4-FFF2-40B4-BE49-F238E27FC236}">
-                <a16:creationId xmlns:a16="http://schemas.microsoft.com/office/drawing/2014/main" id="{029BE2DB-36F8-914C-B02B-DC18D7B26F48}"/>
-              </a:ext>
-            </a:extLst>
-          </p:cNvPr>
-          <p:cNvSpPr txBox="1"/>
-          <p:nvPr/>
-        </p:nvSpPr>
-        <p:spPr>
-          <a:xfrm>
-            <a:off x="7749932" y="4513150"/>
-            <a:ext cx="774700" cy="261610"/>
-          </a:xfrm>
-          <a:prstGeom prst="rect">
-            <a:avLst/>
-          </a:prstGeom>
-          <a:noFill/>
-        </p:spPr>
-        <p:txBody>
-          <a:bodyPr wrap="square" rtlCol="0">
-            <a:spAutoFit/>
-          </a:bodyPr>
-          <a:lstStyle/>
-          <a:p>
-            <a:r>
-              <a:rPr lang="en-US" sz="1050" dirty="0"/>
-              <a:t>Stopped</a:t>
-            </a:r>
-          </a:p>
-        </p:txBody>
-      </p:sp>
-      <p:sp>
-        <p:nvSpPr>
-          <p:cNvPr id="65" name="Rounded Rectangular Callout 64">
-            <a:extLst>
-              <a:ext uri="{FF2B5EF4-FFF2-40B4-BE49-F238E27FC236}">
-                <a16:creationId xmlns:a16="http://schemas.microsoft.com/office/drawing/2014/main" id="{5B9EDC44-4D5A-7042-BC70-866D4FAB7333}"/>
-              </a:ext>
-            </a:extLst>
-          </p:cNvPr>
-          <p:cNvSpPr/>
-          <p:nvPr/>
-        </p:nvSpPr>
-        <p:spPr>
-          <a:xfrm>
-            <a:off x="10497470" y="5473700"/>
-            <a:ext cx="1536700" cy="342900"/>
-          </a:xfrm>
-          <a:prstGeom prst="wedgeRoundRectCallout">
-            <a:avLst>
-              <a:gd name="adj1" fmla="val -134029"/>
-              <a:gd name="adj2" fmla="val -256079"/>
-              <a:gd name="adj3" fmla="val 16667"/>
-            </a:avLst>
-          </a:prstGeom>
-          <a:solidFill>
-            <a:schemeClr val="bg1"/>
-          </a:solidFill>
           <a:ln>
             <a:solidFill>
               <a:schemeClr val="tx1"/>
             </a:solidFill>
+            <a:prstDash val="dash"/>
           </a:ln>
         </p:spPr>
         <p:style>
@@ -5807,44 +5925,113 @@
           <a:bodyPr rtlCol="0" anchor="ctr"/>
           <a:lstStyle/>
           <a:p>
-            <a:pPr algn="ctr"/>
-            <a:r>
-              <a:rPr lang="en-US" sz="1200" dirty="0">
-                <a:solidFill>
-                  <a:schemeClr val="tx1"/>
-                </a:solidFill>
+            <a:r>
+              <a:rPr lang="en-US" sz="800" b="1" dirty="0">
+                <a:hlinkClick r:id="rId10"/>
               </a:rPr>
-              <a:t>Instance Status</a:t>
-            </a:r>
-          </a:p>
-        </p:txBody>
-      </p:sp>
-      <p:sp>
-        <p:nvSpPr>
-          <p:cNvPr id="66" name="Rectangle 65">
-            <a:extLst>
-              <a:ext uri="{FF2B5EF4-FFF2-40B4-BE49-F238E27FC236}">
-                <a16:creationId xmlns:a16="http://schemas.microsoft.com/office/drawing/2014/main" id="{7032AA81-3693-5046-8CB3-CBF985549C37}"/>
-              </a:ext>
-            </a:extLst>
-          </p:cNvPr>
-          <p:cNvSpPr/>
-          <p:nvPr/>
-        </p:nvSpPr>
-        <p:spPr>
-          <a:xfrm>
-            <a:off x="10497470" y="5816600"/>
-            <a:ext cx="1536700" cy="673100"/>
+              <a:t>GET:</a:t>
+            </a:r>
+            <a:r>
+              <a:rPr lang="en-US" sz="800" b="1" dirty="0">
+                <a:hlinkClick r:id="rId13"/>
+              </a:rPr>
+              <a:t>/recordings/status/{instanceId}</a:t>
+            </a:r>
+            <a:endParaRPr lang="en-US" sz="800" dirty="0"/>
+          </a:p>
+        </p:txBody>
+      </p:sp>
+      <p:pic>
+        <p:nvPicPr>
+          <p:cNvPr id="10" name="Picture 9">
+            <a:extLst>
+              <a:ext uri="{FF2B5EF4-FFF2-40B4-BE49-F238E27FC236}">
+                <a16:creationId xmlns:a16="http://schemas.microsoft.com/office/drawing/2014/main" id="{5FDC9B21-108F-3D47-8D35-7EC6A0436DDA}"/>
+              </a:ext>
+            </a:extLst>
+          </p:cNvPr>
+          <p:cNvPicPr>
+            <a:picLocks noChangeAspect="1"/>
+          </p:cNvPicPr>
+          <p:nvPr/>
+        </p:nvPicPr>
+        <p:blipFill>
+          <a:blip r:embed="rId14"/>
+          <a:stretch>
+            <a:fillRect/>
+          </a:stretch>
+        </p:blipFill>
+        <p:spPr>
+          <a:xfrm>
+            <a:off x="2526096" y="2270560"/>
+            <a:ext cx="221667" cy="221667"/>
           </a:xfrm>
           <a:prstGeom prst="rect">
             <a:avLst/>
           </a:prstGeom>
-          <a:noFill/>
+        </p:spPr>
+      </p:pic>
+      <p:pic>
+        <p:nvPicPr>
+          <p:cNvPr id="15" name="Picture 14">
+            <a:extLst>
+              <a:ext uri="{FF2B5EF4-FFF2-40B4-BE49-F238E27FC236}">
+                <a16:creationId xmlns:a16="http://schemas.microsoft.com/office/drawing/2014/main" id="{95E3A990-9565-5C46-86D8-E91DB7F14A9E}"/>
+              </a:ext>
+            </a:extLst>
+          </p:cNvPr>
+          <p:cNvPicPr>
+            <a:picLocks noChangeAspect="1"/>
+          </p:cNvPicPr>
+          <p:nvPr/>
+        </p:nvPicPr>
+        <p:blipFill>
+          <a:blip r:embed="rId15"/>
+          <a:stretch>
+            <a:fillRect/>
+          </a:stretch>
+        </p:blipFill>
+        <p:spPr>
+          <a:xfrm>
+            <a:off x="2214603" y="2266320"/>
+            <a:ext cx="213637" cy="213637"/>
+          </a:xfrm>
+          <a:prstGeom prst="rect">
+            <a:avLst/>
+          </a:prstGeom>
+        </p:spPr>
+      </p:pic>
+      <p:sp>
+        <p:nvSpPr>
+          <p:cNvPr id="67" name="Rounded Rectangular Callout 66">
+            <a:extLst>
+              <a:ext uri="{FF2B5EF4-FFF2-40B4-BE49-F238E27FC236}">
+                <a16:creationId xmlns:a16="http://schemas.microsoft.com/office/drawing/2014/main" id="{23DCA5F9-4229-3D4D-BEDE-242FA6B8663B}"/>
+              </a:ext>
+            </a:extLst>
+          </p:cNvPr>
+          <p:cNvSpPr/>
+          <p:nvPr/>
+        </p:nvSpPr>
+        <p:spPr>
+          <a:xfrm>
+            <a:off x="224360" y="2137057"/>
+            <a:ext cx="1536700" cy="342900"/>
+          </a:xfrm>
+          <a:prstGeom prst="wedgeRoundRectCallout">
+            <a:avLst>
+              <a:gd name="adj1" fmla="val 83326"/>
+              <a:gd name="adj2" fmla="val 5403"/>
+              <a:gd name="adj3" fmla="val 16667"/>
+            </a:avLst>
+          </a:prstGeom>
+          <a:solidFill>
+            <a:schemeClr val="bg1"/>
+          </a:solidFill>
           <a:ln>
             <a:solidFill>
               <a:schemeClr val="tx1"/>
             </a:solidFill>
-            <a:prstDash val="dash"/>
           </a:ln>
         </p:spPr>
         <p:style>
@@ -5867,19 +6054,348 @@
           <a:bodyPr rtlCol="0" anchor="ctr"/>
           <a:lstStyle/>
           <a:p>
+            <a:pPr algn="ctr"/>
+            <a:r>
+              <a:rPr lang="en-US" sz="1200" dirty="0">
+                <a:solidFill>
+                  <a:schemeClr val="tx1"/>
+                </a:solidFill>
+              </a:rPr>
+              <a:t>Add Instance</a:t>
+            </a:r>
+          </a:p>
+        </p:txBody>
+      </p:sp>
+      <p:sp>
+        <p:nvSpPr>
+          <p:cNvPr id="68" name="Rectangle 67">
+            <a:extLst>
+              <a:ext uri="{FF2B5EF4-FFF2-40B4-BE49-F238E27FC236}">
+                <a16:creationId xmlns:a16="http://schemas.microsoft.com/office/drawing/2014/main" id="{961B918E-3529-DC4E-ACAB-774513500A25}"/>
+              </a:ext>
+            </a:extLst>
+          </p:cNvPr>
+          <p:cNvSpPr/>
+          <p:nvPr/>
+        </p:nvSpPr>
+        <p:spPr>
+          <a:xfrm>
+            <a:off x="224360" y="2479956"/>
+            <a:ext cx="1536700" cy="624130"/>
+          </a:xfrm>
+          <a:prstGeom prst="rect">
+            <a:avLst/>
+          </a:prstGeom>
+          <a:noFill/>
+          <a:ln>
+            <a:solidFill>
+              <a:schemeClr val="tx1"/>
+            </a:solidFill>
+            <a:prstDash val="dash"/>
+          </a:ln>
+        </p:spPr>
+        <p:style>
+          <a:lnRef idx="2">
+            <a:schemeClr val="accent1">
+              <a:shade val="50000"/>
+            </a:schemeClr>
+          </a:lnRef>
+          <a:fillRef idx="1">
+            <a:schemeClr val="accent1"/>
+          </a:fillRef>
+          <a:effectRef idx="0">
+            <a:schemeClr val="accent1"/>
+          </a:effectRef>
+          <a:fontRef idx="minor">
+            <a:schemeClr val="lt1"/>
+          </a:fontRef>
+        </p:style>
+        <p:txBody>
+          <a:bodyPr rtlCol="0" anchor="ctr"/>
+          <a:lstStyle/>
+          <a:p>
             <a:r>
               <a:rPr lang="en-US" sz="800" b="1" dirty="0">
                 <a:hlinkClick r:id="rId10"/>
               </a:rPr>
-              <a:t>GET:</a:t>
+              <a:t>POST: </a:t>
             </a:r>
             <a:r>
               <a:rPr lang="en-US" sz="800" b="1" dirty="0">
-                <a:hlinkClick r:id="rId13"/>
+                <a:hlinkClick r:id="rId12"/>
               </a:rPr>
-              <a:t>/recordings/status/{instanceId}</a:t>
-            </a:r>
-            <a:endParaRPr lang="en-US" sz="800" dirty="0"/>
+              <a:t>/instance</a:t>
+            </a:r>
+            <a:endParaRPr lang="en-US" sz="800" b="1" dirty="0"/>
+          </a:p>
+          <a:p>
+            <a:r>
+              <a:rPr lang="en-US" sz="800" b="1" dirty="0">
+                <a:solidFill>
+                  <a:schemeClr val="tx1"/>
+                </a:solidFill>
+              </a:rPr>
+              <a:t>Query Parameters: </a:t>
+            </a:r>
+            <a:r>
+              <a:rPr lang="en-US" sz="800" dirty="0" err="1">
+                <a:solidFill>
+                  <a:schemeClr val="tx1"/>
+                </a:solidFill>
+              </a:rPr>
+              <a:t>instanceName</a:t>
+            </a:r>
+            <a:endParaRPr lang="en-US" sz="800" dirty="0">
+              <a:solidFill>
+                <a:schemeClr val="tx1"/>
+              </a:solidFill>
+            </a:endParaRPr>
+          </a:p>
+          <a:p>
+            <a:r>
+              <a:rPr lang="en-US" sz="800" dirty="0" err="1">
+                <a:solidFill>
+                  <a:schemeClr val="tx1"/>
+                </a:solidFill>
+              </a:rPr>
+              <a:t>targetURL</a:t>
+            </a:r>
+            <a:endParaRPr lang="en-US" sz="800" dirty="0">
+              <a:solidFill>
+                <a:schemeClr val="tx1"/>
+              </a:solidFill>
+            </a:endParaRPr>
+          </a:p>
+          <a:p>
+            <a:r>
+              <a:rPr lang="en-US" sz="800" dirty="0" err="1">
+                <a:solidFill>
+                  <a:schemeClr val="tx1"/>
+                </a:solidFill>
+              </a:rPr>
+              <a:t>wiremockURL</a:t>
+            </a:r>
+            <a:endParaRPr lang="en-US" sz="800" dirty="0">
+              <a:solidFill>
+                <a:schemeClr val="tx1"/>
+              </a:solidFill>
+            </a:endParaRPr>
+          </a:p>
+        </p:txBody>
+      </p:sp>
+      <p:sp>
+        <p:nvSpPr>
+          <p:cNvPr id="69" name="Rounded Rectangular Callout 68">
+            <a:extLst>
+              <a:ext uri="{FF2B5EF4-FFF2-40B4-BE49-F238E27FC236}">
+                <a16:creationId xmlns:a16="http://schemas.microsoft.com/office/drawing/2014/main" id="{E33D3CFF-65F6-984F-A107-B54581F7E9BA}"/>
+              </a:ext>
+            </a:extLst>
+          </p:cNvPr>
+          <p:cNvSpPr/>
+          <p:nvPr/>
+        </p:nvSpPr>
+        <p:spPr>
+          <a:xfrm>
+            <a:off x="220920" y="3432190"/>
+            <a:ext cx="1536700" cy="342900"/>
+          </a:xfrm>
+          <a:prstGeom prst="wedgeRoundRectCallout">
+            <a:avLst>
+              <a:gd name="adj1" fmla="val 103161"/>
+              <a:gd name="adj2" fmla="val -341264"/>
+              <a:gd name="adj3" fmla="val 16667"/>
+            </a:avLst>
+          </a:prstGeom>
+          <a:solidFill>
+            <a:schemeClr val="bg1"/>
+          </a:solidFill>
+          <a:ln>
+            <a:solidFill>
+              <a:schemeClr val="tx1"/>
+            </a:solidFill>
+          </a:ln>
+        </p:spPr>
+        <p:style>
+          <a:lnRef idx="2">
+            <a:schemeClr val="accent1">
+              <a:shade val="50000"/>
+            </a:schemeClr>
+          </a:lnRef>
+          <a:fillRef idx="1">
+            <a:schemeClr val="accent1"/>
+          </a:fillRef>
+          <a:effectRef idx="0">
+            <a:schemeClr val="accent1"/>
+          </a:effectRef>
+          <a:fontRef idx="minor">
+            <a:schemeClr val="lt1"/>
+          </a:fontRef>
+        </p:style>
+        <p:txBody>
+          <a:bodyPr rtlCol="0" anchor="ctr"/>
+          <a:lstStyle/>
+          <a:p>
+            <a:pPr algn="ctr"/>
+            <a:r>
+              <a:rPr lang="en-US" sz="1200" dirty="0">
+                <a:solidFill>
+                  <a:schemeClr val="tx1"/>
+                </a:solidFill>
+              </a:rPr>
+              <a:t>Delete Instance</a:t>
+            </a:r>
+          </a:p>
+        </p:txBody>
+      </p:sp>
+      <p:sp>
+        <p:nvSpPr>
+          <p:cNvPr id="72" name="Rectangle 71">
+            <a:extLst>
+              <a:ext uri="{FF2B5EF4-FFF2-40B4-BE49-F238E27FC236}">
+                <a16:creationId xmlns:a16="http://schemas.microsoft.com/office/drawing/2014/main" id="{33975D55-5859-8A4C-9958-DAD56D3C551D}"/>
+              </a:ext>
+            </a:extLst>
+          </p:cNvPr>
+          <p:cNvSpPr/>
+          <p:nvPr/>
+        </p:nvSpPr>
+        <p:spPr>
+          <a:xfrm>
+            <a:off x="224012" y="3777186"/>
+            <a:ext cx="1536700" cy="269521"/>
+          </a:xfrm>
+          <a:prstGeom prst="rect">
+            <a:avLst/>
+          </a:prstGeom>
+          <a:noFill/>
+          <a:ln>
+            <a:solidFill>
+              <a:schemeClr val="tx1"/>
+            </a:solidFill>
+            <a:prstDash val="dash"/>
+          </a:ln>
+        </p:spPr>
+        <p:style>
+          <a:lnRef idx="2">
+            <a:schemeClr val="accent1">
+              <a:shade val="50000"/>
+            </a:schemeClr>
+          </a:lnRef>
+          <a:fillRef idx="1">
+            <a:schemeClr val="accent1"/>
+          </a:fillRef>
+          <a:effectRef idx="0">
+            <a:schemeClr val="accent1"/>
+          </a:effectRef>
+          <a:fontRef idx="minor">
+            <a:schemeClr val="lt1"/>
+          </a:fontRef>
+        </p:style>
+        <p:txBody>
+          <a:bodyPr rtlCol="0" anchor="ctr"/>
+          <a:lstStyle/>
+          <a:p>
+            <a:r>
+              <a:rPr lang="en-US" sz="800" b="1" dirty="0">
+                <a:hlinkClick r:id="rId10"/>
+              </a:rPr>
+              <a:t>DELETE: </a:t>
+            </a:r>
+            <a:r>
+              <a:rPr lang="en-US" sz="800" b="1" dirty="0">
+                <a:hlinkClick r:id="rId12"/>
+              </a:rPr>
+              <a:t>/instance</a:t>
+            </a:r>
+            <a:endParaRPr lang="en-US" sz="800" b="1" dirty="0">
+              <a:solidFill>
+                <a:schemeClr val="tx1"/>
+              </a:solidFill>
+            </a:endParaRPr>
+          </a:p>
+          <a:p>
+            <a:r>
+              <a:rPr lang="en-US" sz="800" b="1" dirty="0">
+                <a:solidFill>
+                  <a:schemeClr val="tx1"/>
+                </a:solidFill>
+              </a:rPr>
+              <a:t>Query Parameter: </a:t>
+            </a:r>
+            <a:r>
+              <a:rPr lang="en-US" sz="800" dirty="0">
+                <a:solidFill>
+                  <a:schemeClr val="tx1"/>
+                </a:solidFill>
+              </a:rPr>
+              <a:t>id</a:t>
+            </a:r>
+          </a:p>
+        </p:txBody>
+      </p:sp>
+      <p:sp>
+        <p:nvSpPr>
+          <p:cNvPr id="58" name="Rounded Rectangular Callout 57">
+            <a:extLst>
+              <a:ext uri="{FF2B5EF4-FFF2-40B4-BE49-F238E27FC236}">
+                <a16:creationId xmlns:a16="http://schemas.microsoft.com/office/drawing/2014/main" id="{02CA462A-7F55-B84B-8C5B-C4CE00419A98}"/>
+              </a:ext>
+            </a:extLst>
+          </p:cNvPr>
+          <p:cNvSpPr/>
+          <p:nvPr/>
+        </p:nvSpPr>
+        <p:spPr>
+          <a:xfrm>
+            <a:off x="355600" y="4172506"/>
+            <a:ext cx="1536700" cy="342900"/>
+          </a:xfrm>
+          <a:prstGeom prst="wedgeRoundRectCallout">
+            <a:avLst>
+              <a:gd name="adj1" fmla="val 74070"/>
+              <a:gd name="adj2" fmla="val -424227"/>
+              <a:gd name="adj3" fmla="val 16667"/>
+            </a:avLst>
+          </a:prstGeom>
+          <a:solidFill>
+            <a:schemeClr val="bg1"/>
+          </a:solidFill>
+          <a:ln>
+            <a:solidFill>
+              <a:schemeClr val="tx1"/>
+            </a:solidFill>
+          </a:ln>
+        </p:spPr>
+        <p:style>
+          <a:lnRef idx="2">
+            <a:schemeClr val="accent1">
+              <a:shade val="50000"/>
+            </a:schemeClr>
+          </a:lnRef>
+          <a:fillRef idx="1">
+            <a:schemeClr val="accent1"/>
+          </a:fillRef>
+          <a:effectRef idx="0">
+            <a:schemeClr val="accent1"/>
+          </a:effectRef>
+          <a:fontRef idx="minor">
+            <a:schemeClr val="lt1"/>
+          </a:fontRef>
+        </p:style>
+        <p:txBody>
+          <a:bodyPr rtlCol="0" anchor="ctr"/>
+          <a:lstStyle/>
+          <a:p>
+            <a:pPr algn="ctr"/>
+            <a:r>
+              <a:rPr lang="en-US" sz="1200" dirty="0">
+                <a:solidFill>
+                  <a:schemeClr val="tx1"/>
+                </a:solidFill>
+              </a:rPr>
+              <a:t>List of Instances</a:t>
+            </a:r>
           </a:p>
         </p:txBody>
       </p:sp>
